--- a/journalSwarmControl/pictures/Unusedpdf/PotentialField.pptx
+++ b/journalSwarmControl/pictures/Unusedpdf/PotentialField.pptx
@@ -7,13 +7,13 @@
   <p:sldIdLst>
     <p:sldId id="256" r:id="rId2"/>
   </p:sldIdLst>
-  <p:sldSz cx="21945600" cy="7315200"/>
+  <p:sldSz cx="21763038" cy="6950075"/>
   <p:notesSz cx="6858000" cy="9144000"/>
   <p:defaultTextStyle>
     <a:defPPr>
       <a:defRPr lang="en-US"/>
     </a:defPPr>
-    <a:lvl1pPr marL="0" algn="l" defTabSz="1776277" rtl="0" eaLnBrk="1" latinLnBrk="0" hangingPunct="1">
+    <a:lvl1pPr marL="0" algn="l" defTabSz="1762244" rtl="0" eaLnBrk="1" latinLnBrk="0" hangingPunct="1">
       <a:defRPr sz="3500" kern="1200">
         <a:solidFill>
           <a:schemeClr val="tx1"/>
@@ -23,7 +23,7 @@
         <a:cs typeface="+mn-cs"/>
       </a:defRPr>
     </a:lvl1pPr>
-    <a:lvl2pPr marL="888137" algn="l" defTabSz="1776277" rtl="0" eaLnBrk="1" latinLnBrk="0" hangingPunct="1">
+    <a:lvl2pPr marL="881121" algn="l" defTabSz="1762244" rtl="0" eaLnBrk="1" latinLnBrk="0" hangingPunct="1">
       <a:defRPr sz="3500" kern="1200">
         <a:solidFill>
           <a:schemeClr val="tx1"/>
@@ -33,7 +33,7 @@
         <a:cs typeface="+mn-cs"/>
       </a:defRPr>
     </a:lvl2pPr>
-    <a:lvl3pPr marL="1776277" algn="l" defTabSz="1776277" rtl="0" eaLnBrk="1" latinLnBrk="0" hangingPunct="1">
+    <a:lvl3pPr marL="1762244" algn="l" defTabSz="1762244" rtl="0" eaLnBrk="1" latinLnBrk="0" hangingPunct="1">
       <a:defRPr sz="3500" kern="1200">
         <a:solidFill>
           <a:schemeClr val="tx1"/>
@@ -43,7 +43,7 @@
         <a:cs typeface="+mn-cs"/>
       </a:defRPr>
     </a:lvl3pPr>
-    <a:lvl4pPr marL="2664414" algn="l" defTabSz="1776277" rtl="0" eaLnBrk="1" latinLnBrk="0" hangingPunct="1">
+    <a:lvl4pPr marL="2643365" algn="l" defTabSz="1762244" rtl="0" eaLnBrk="1" latinLnBrk="0" hangingPunct="1">
       <a:defRPr sz="3500" kern="1200">
         <a:solidFill>
           <a:schemeClr val="tx1"/>
@@ -53,7 +53,7 @@
         <a:cs typeface="+mn-cs"/>
       </a:defRPr>
     </a:lvl4pPr>
-    <a:lvl5pPr marL="3552552" algn="l" defTabSz="1776277" rtl="0" eaLnBrk="1" latinLnBrk="0" hangingPunct="1">
+    <a:lvl5pPr marL="3524487" algn="l" defTabSz="1762244" rtl="0" eaLnBrk="1" latinLnBrk="0" hangingPunct="1">
       <a:defRPr sz="3500" kern="1200">
         <a:solidFill>
           <a:schemeClr val="tx1"/>
@@ -63,7 +63,7 @@
         <a:cs typeface="+mn-cs"/>
       </a:defRPr>
     </a:lvl5pPr>
-    <a:lvl6pPr marL="4440691" algn="l" defTabSz="1776277" rtl="0" eaLnBrk="1" latinLnBrk="0" hangingPunct="1">
+    <a:lvl6pPr marL="4405610" algn="l" defTabSz="1762244" rtl="0" eaLnBrk="1" latinLnBrk="0" hangingPunct="1">
       <a:defRPr sz="3500" kern="1200">
         <a:solidFill>
           <a:schemeClr val="tx1"/>
@@ -73,7 +73,7 @@
         <a:cs typeface="+mn-cs"/>
       </a:defRPr>
     </a:lvl6pPr>
-    <a:lvl7pPr marL="5328828" algn="l" defTabSz="1776277" rtl="0" eaLnBrk="1" latinLnBrk="0" hangingPunct="1">
+    <a:lvl7pPr marL="5286730" algn="l" defTabSz="1762244" rtl="0" eaLnBrk="1" latinLnBrk="0" hangingPunct="1">
       <a:defRPr sz="3500" kern="1200">
         <a:solidFill>
           <a:schemeClr val="tx1"/>
@@ -83,7 +83,7 @@
         <a:cs typeface="+mn-cs"/>
       </a:defRPr>
     </a:lvl7pPr>
-    <a:lvl8pPr marL="6216968" algn="l" defTabSz="1776277" rtl="0" eaLnBrk="1" latinLnBrk="0" hangingPunct="1">
+    <a:lvl8pPr marL="6167854" algn="l" defTabSz="1762244" rtl="0" eaLnBrk="1" latinLnBrk="0" hangingPunct="1">
       <a:defRPr sz="3500" kern="1200">
         <a:solidFill>
           <a:schemeClr val="tx1"/>
@@ -93,7 +93,7 @@
         <a:cs typeface="+mn-cs"/>
       </a:defRPr>
     </a:lvl8pPr>
-    <a:lvl9pPr marL="7105105" algn="l" defTabSz="1776277" rtl="0" eaLnBrk="1" latinLnBrk="0" hangingPunct="1">
+    <a:lvl9pPr marL="7048975" algn="l" defTabSz="1762244" rtl="0" eaLnBrk="1" latinLnBrk="0" hangingPunct="1">
       <a:defRPr sz="3500" kern="1200">
         <a:solidFill>
           <a:schemeClr val="tx1"/>
@@ -136,8 +136,8 @@
         </p:nvSpPr>
         <p:spPr>
           <a:xfrm>
-            <a:off x="1645920" y="2272458"/>
-            <a:ext cx="18653760" cy="1568027"/>
+            <a:off x="1632228" y="2159034"/>
+            <a:ext cx="18498582" cy="1489763"/>
           </a:xfrm>
         </p:spPr>
         <p:txBody>
@@ -164,8 +164,8 @@
         </p:nvSpPr>
         <p:spPr>
           <a:xfrm>
-            <a:off x="3291840" y="4145280"/>
-            <a:ext cx="15361920" cy="1869440"/>
+            <a:off x="3264456" y="3938375"/>
+            <a:ext cx="15234127" cy="1776131"/>
           </a:xfrm>
         </p:spPr>
         <p:txBody>
@@ -181,7 +181,7 @@
                 </a:solidFill>
               </a:defRPr>
             </a:lvl1pPr>
-            <a:lvl2pPr marL="888137" indent="0" algn="ctr">
+            <a:lvl2pPr marL="881121" indent="0" algn="ctr">
               <a:buNone/>
               <a:defRPr>
                 <a:solidFill>
@@ -191,7 +191,7 @@
                 </a:solidFill>
               </a:defRPr>
             </a:lvl2pPr>
-            <a:lvl3pPr marL="1776277" indent="0" algn="ctr">
+            <a:lvl3pPr marL="1762244" indent="0" algn="ctr">
               <a:buNone/>
               <a:defRPr>
                 <a:solidFill>
@@ -201,7 +201,7 @@
                 </a:solidFill>
               </a:defRPr>
             </a:lvl3pPr>
-            <a:lvl4pPr marL="2664414" indent="0" algn="ctr">
+            <a:lvl4pPr marL="2643365" indent="0" algn="ctr">
               <a:buNone/>
               <a:defRPr>
                 <a:solidFill>
@@ -211,7 +211,7 @@
                 </a:solidFill>
               </a:defRPr>
             </a:lvl4pPr>
-            <a:lvl5pPr marL="3552552" indent="0" algn="ctr">
+            <a:lvl5pPr marL="3524487" indent="0" algn="ctr">
               <a:buNone/>
               <a:defRPr>
                 <a:solidFill>
@@ -221,7 +221,7 @@
                 </a:solidFill>
               </a:defRPr>
             </a:lvl5pPr>
-            <a:lvl6pPr marL="4440691" indent="0" algn="ctr">
+            <a:lvl6pPr marL="4405610" indent="0" algn="ctr">
               <a:buNone/>
               <a:defRPr>
                 <a:solidFill>
@@ -231,7 +231,7 @@
                 </a:solidFill>
               </a:defRPr>
             </a:lvl6pPr>
-            <a:lvl7pPr marL="5328828" indent="0" algn="ctr">
+            <a:lvl7pPr marL="5286730" indent="0" algn="ctr">
               <a:buNone/>
               <a:defRPr>
                 <a:solidFill>
@@ -241,7 +241,7 @@
                 </a:solidFill>
               </a:defRPr>
             </a:lvl7pPr>
-            <a:lvl8pPr marL="6216968" indent="0" algn="ctr">
+            <a:lvl8pPr marL="6167854" indent="0" algn="ctr">
               <a:buNone/>
               <a:defRPr>
                 <a:solidFill>
@@ -251,7 +251,7 @@
                 </a:solidFill>
               </a:defRPr>
             </a:lvl8pPr>
-            <a:lvl9pPr marL="7105105" indent="0" algn="ctr">
+            <a:lvl9pPr marL="7048975" indent="0" algn="ctr">
               <a:buNone/>
               <a:defRPr>
                 <a:solidFill>
@@ -288,7 +288,7 @@
           <a:p>
             <a:fld id="{9CBA829A-D9D5-46BA-A2F7-9C69DF31B345}" type="datetimeFigureOut">
               <a:rPr lang="en-US" smtClean="0"/>
-              <a:t>8/8/16</a:t>
+              <a:t>10/26/17</a:t>
             </a:fld>
             <a:endParaRPr lang="en-US"/>
           </a:p>
@@ -458,7 +458,7 @@
           <a:p>
             <a:fld id="{9CBA829A-D9D5-46BA-A2F7-9C69DF31B345}" type="datetimeFigureOut">
               <a:rPr lang="en-US" smtClean="0"/>
-              <a:t>8/8/16</a:t>
+              <a:t>10/26/17</a:t>
             </a:fld>
             <a:endParaRPr lang="en-US"/>
           </a:p>
@@ -548,8 +548,8 @@
         </p:nvSpPr>
         <p:spPr>
           <a:xfrm>
-            <a:off x="15910560" y="292952"/>
-            <a:ext cx="4937760" cy="6241627"/>
+            <a:off x="15778202" y="278332"/>
+            <a:ext cx="4896684" cy="5930087"/>
           </a:xfrm>
         </p:spPr>
         <p:txBody>
@@ -576,8 +576,8 @@
         </p:nvSpPr>
         <p:spPr>
           <a:xfrm>
-            <a:off x="1097280" y="292952"/>
-            <a:ext cx="14447520" cy="6241627"/>
+            <a:off x="1088152" y="278332"/>
+            <a:ext cx="14327333" cy="5930087"/>
           </a:xfrm>
         </p:spPr>
         <p:txBody>
@@ -638,7 +638,7 @@
           <a:p>
             <a:fld id="{9CBA829A-D9D5-46BA-A2F7-9C69DF31B345}" type="datetimeFigureOut">
               <a:rPr lang="en-US" smtClean="0"/>
-              <a:t>8/8/16</a:t>
+              <a:t>10/26/17</a:t>
             </a:fld>
             <a:endParaRPr lang="en-US"/>
           </a:p>
@@ -808,7 +808,7 @@
           <a:p>
             <a:fld id="{9CBA829A-D9D5-46BA-A2F7-9C69DF31B345}" type="datetimeFigureOut">
               <a:rPr lang="en-US" smtClean="0"/>
-              <a:t>8/8/16</a:t>
+              <a:t>10/26/17</a:t>
             </a:fld>
             <a:endParaRPr lang="en-US"/>
           </a:p>
@@ -898,15 +898,15 @@
         </p:nvSpPr>
         <p:spPr>
           <a:xfrm>
-            <a:off x="1733551" y="4700695"/>
-            <a:ext cx="18653760" cy="1452880"/>
+            <a:off x="1719130" y="4466069"/>
+            <a:ext cx="18498582" cy="1380364"/>
           </a:xfrm>
         </p:spPr>
         <p:txBody>
           <a:bodyPr anchor="t"/>
           <a:lstStyle>
             <a:lvl1pPr algn="l">
-              <a:defRPr sz="7800" b="1" cap="all"/>
+              <a:defRPr sz="7700" b="1" cap="all"/>
             </a:lvl1pPr>
           </a:lstStyle>
           <a:p>
@@ -930,8 +930,8 @@
         </p:nvSpPr>
         <p:spPr>
           <a:xfrm>
-            <a:off x="1733551" y="3100499"/>
-            <a:ext cx="18653760" cy="1600199"/>
+            <a:off x="1719130" y="2945744"/>
+            <a:ext cx="18498582" cy="1520328"/>
           </a:xfrm>
         </p:spPr>
         <p:txBody>
@@ -947,7 +947,7 @@
                 </a:solidFill>
               </a:defRPr>
             </a:lvl1pPr>
-            <a:lvl2pPr marL="888137" indent="0">
+            <a:lvl2pPr marL="881121" indent="0">
               <a:buNone/>
               <a:defRPr sz="3500">
                 <a:solidFill>
@@ -957,7 +957,7 @@
                 </a:solidFill>
               </a:defRPr>
             </a:lvl2pPr>
-            <a:lvl3pPr marL="1776277" indent="0">
+            <a:lvl3pPr marL="1762244" indent="0">
               <a:buNone/>
               <a:defRPr sz="3100">
                 <a:solidFill>
@@ -967,7 +967,7 @@
                 </a:solidFill>
               </a:defRPr>
             </a:lvl3pPr>
-            <a:lvl4pPr marL="2664414" indent="0">
+            <a:lvl4pPr marL="2643365" indent="0">
               <a:buNone/>
               <a:defRPr sz="2700">
                 <a:solidFill>
@@ -977,7 +977,7 @@
                 </a:solidFill>
               </a:defRPr>
             </a:lvl4pPr>
-            <a:lvl5pPr marL="3552552" indent="0">
+            <a:lvl5pPr marL="3524487" indent="0">
               <a:buNone/>
               <a:defRPr sz="2700">
                 <a:solidFill>
@@ -987,7 +987,7 @@
                 </a:solidFill>
               </a:defRPr>
             </a:lvl5pPr>
-            <a:lvl6pPr marL="4440691" indent="0">
+            <a:lvl6pPr marL="4405610" indent="0">
               <a:buNone/>
               <a:defRPr sz="2700">
                 <a:solidFill>
@@ -997,7 +997,7 @@
                 </a:solidFill>
               </a:defRPr>
             </a:lvl6pPr>
-            <a:lvl7pPr marL="5328828" indent="0">
+            <a:lvl7pPr marL="5286730" indent="0">
               <a:buNone/>
               <a:defRPr sz="2700">
                 <a:solidFill>
@@ -1007,7 +1007,7 @@
                 </a:solidFill>
               </a:defRPr>
             </a:lvl7pPr>
-            <a:lvl8pPr marL="6216968" indent="0">
+            <a:lvl8pPr marL="6167854" indent="0">
               <a:buNone/>
               <a:defRPr sz="2700">
                 <a:solidFill>
@@ -1017,7 +1017,7 @@
                 </a:solidFill>
               </a:defRPr>
             </a:lvl8pPr>
-            <a:lvl9pPr marL="7105105" indent="0">
+            <a:lvl9pPr marL="7048975" indent="0">
               <a:buNone/>
               <a:defRPr sz="2700">
                 <a:solidFill>
@@ -1054,7 +1054,7 @@
           <a:p>
             <a:fld id="{9CBA829A-D9D5-46BA-A2F7-9C69DF31B345}" type="datetimeFigureOut">
               <a:rPr lang="en-US" smtClean="0"/>
-              <a:t>8/8/16</a:t>
+              <a:t>10/26/17</a:t>
             </a:fld>
             <a:endParaRPr lang="en-US"/>
           </a:p>
@@ -1167,8 +1167,8 @@
         </p:nvSpPr>
         <p:spPr>
           <a:xfrm>
-            <a:off x="1097280" y="1706882"/>
-            <a:ext cx="9692640" cy="4827694"/>
+            <a:off x="1088152" y="1621687"/>
+            <a:ext cx="9612008" cy="4586729"/>
           </a:xfrm>
         </p:spPr>
         <p:txBody>
@@ -1252,8 +1252,8 @@
         </p:nvSpPr>
         <p:spPr>
           <a:xfrm>
-            <a:off x="11155680" y="1706882"/>
-            <a:ext cx="9692640" cy="4827694"/>
+            <a:off x="11062878" y="1621687"/>
+            <a:ext cx="9612008" cy="4586729"/>
           </a:xfrm>
         </p:spPr>
         <p:txBody>
@@ -1342,7 +1342,7 @@
           <a:p>
             <a:fld id="{9CBA829A-D9D5-46BA-A2F7-9C69DF31B345}" type="datetimeFigureOut">
               <a:rPr lang="en-US" smtClean="0"/>
-              <a:t>8/8/16</a:t>
+              <a:t>10/26/17</a:t>
             </a:fld>
             <a:endParaRPr lang="en-US"/>
           </a:p>
@@ -1459,8 +1459,8 @@
         </p:nvSpPr>
         <p:spPr>
           <a:xfrm>
-            <a:off x="1097282" y="1637457"/>
-            <a:ext cx="9696451" cy="682413"/>
+            <a:off x="1088159" y="1555727"/>
+            <a:ext cx="9615788" cy="648351"/>
           </a:xfrm>
         </p:spPr>
         <p:txBody>
@@ -1470,35 +1470,35 @@
               <a:buNone/>
               <a:defRPr sz="4700" b="1"/>
             </a:lvl1pPr>
-            <a:lvl2pPr marL="888137" indent="0">
+            <a:lvl2pPr marL="881121" indent="0">
               <a:buNone/>
               <a:defRPr sz="3900" b="1"/>
             </a:lvl2pPr>
-            <a:lvl3pPr marL="1776277" indent="0">
+            <a:lvl3pPr marL="1762244" indent="0">
               <a:buNone/>
               <a:defRPr sz="3500" b="1"/>
             </a:lvl3pPr>
-            <a:lvl4pPr marL="2664414" indent="0">
+            <a:lvl4pPr marL="2643365" indent="0">
               <a:buNone/>
               <a:defRPr sz="3100" b="1"/>
             </a:lvl4pPr>
-            <a:lvl5pPr marL="3552552" indent="0">
+            <a:lvl5pPr marL="3524487" indent="0">
               <a:buNone/>
               <a:defRPr sz="3100" b="1"/>
             </a:lvl5pPr>
-            <a:lvl6pPr marL="4440691" indent="0">
+            <a:lvl6pPr marL="4405610" indent="0">
               <a:buNone/>
               <a:defRPr sz="3100" b="1"/>
             </a:lvl6pPr>
-            <a:lvl7pPr marL="5328828" indent="0">
+            <a:lvl7pPr marL="5286730" indent="0">
               <a:buNone/>
               <a:defRPr sz="3100" b="1"/>
             </a:lvl7pPr>
-            <a:lvl8pPr marL="6216968" indent="0">
+            <a:lvl8pPr marL="6167854" indent="0">
               <a:buNone/>
               <a:defRPr sz="3100" b="1"/>
             </a:lvl8pPr>
-            <a:lvl9pPr marL="7105105" indent="0">
+            <a:lvl9pPr marL="7048975" indent="0">
               <a:buNone/>
               <a:defRPr sz="3100" b="1"/>
             </a:lvl9pPr>
@@ -1524,8 +1524,8 @@
         </p:nvSpPr>
         <p:spPr>
           <a:xfrm>
-            <a:off x="1097282" y="2319870"/>
-            <a:ext cx="9696451" cy="4214707"/>
+            <a:off x="1088159" y="2204081"/>
+            <a:ext cx="9615788" cy="4004337"/>
           </a:xfrm>
         </p:spPr>
         <p:txBody>
@@ -1609,8 +1609,8 @@
         </p:nvSpPr>
         <p:spPr>
           <a:xfrm>
-            <a:off x="11148064" y="1637457"/>
-            <a:ext cx="9700260" cy="682413"/>
+            <a:off x="11055325" y="1555727"/>
+            <a:ext cx="9619565" cy="648351"/>
           </a:xfrm>
         </p:spPr>
         <p:txBody>
@@ -1620,35 +1620,35 @@
               <a:buNone/>
               <a:defRPr sz="4700" b="1"/>
             </a:lvl1pPr>
-            <a:lvl2pPr marL="888137" indent="0">
+            <a:lvl2pPr marL="881121" indent="0">
               <a:buNone/>
               <a:defRPr sz="3900" b="1"/>
             </a:lvl2pPr>
-            <a:lvl3pPr marL="1776277" indent="0">
+            <a:lvl3pPr marL="1762244" indent="0">
               <a:buNone/>
               <a:defRPr sz="3500" b="1"/>
             </a:lvl3pPr>
-            <a:lvl4pPr marL="2664414" indent="0">
+            <a:lvl4pPr marL="2643365" indent="0">
               <a:buNone/>
               <a:defRPr sz="3100" b="1"/>
             </a:lvl4pPr>
-            <a:lvl5pPr marL="3552552" indent="0">
+            <a:lvl5pPr marL="3524487" indent="0">
               <a:buNone/>
               <a:defRPr sz="3100" b="1"/>
             </a:lvl5pPr>
-            <a:lvl6pPr marL="4440691" indent="0">
+            <a:lvl6pPr marL="4405610" indent="0">
               <a:buNone/>
               <a:defRPr sz="3100" b="1"/>
             </a:lvl6pPr>
-            <a:lvl7pPr marL="5328828" indent="0">
+            <a:lvl7pPr marL="5286730" indent="0">
               <a:buNone/>
               <a:defRPr sz="3100" b="1"/>
             </a:lvl7pPr>
-            <a:lvl8pPr marL="6216968" indent="0">
+            <a:lvl8pPr marL="6167854" indent="0">
               <a:buNone/>
               <a:defRPr sz="3100" b="1"/>
             </a:lvl8pPr>
-            <a:lvl9pPr marL="7105105" indent="0">
+            <a:lvl9pPr marL="7048975" indent="0">
               <a:buNone/>
               <a:defRPr sz="3100" b="1"/>
             </a:lvl9pPr>
@@ -1674,8 +1674,8 @@
         </p:nvSpPr>
         <p:spPr>
           <a:xfrm>
-            <a:off x="11148064" y="2319870"/>
-            <a:ext cx="9700260" cy="4214707"/>
+            <a:off x="11055325" y="2204081"/>
+            <a:ext cx="9619565" cy="4004337"/>
           </a:xfrm>
         </p:spPr>
         <p:txBody>
@@ -1764,7 +1764,7 @@
           <a:p>
             <a:fld id="{9CBA829A-D9D5-46BA-A2F7-9C69DF31B345}" type="datetimeFigureOut">
               <a:rPr lang="en-US" smtClean="0"/>
-              <a:t>8/8/16</a:t>
+              <a:t>10/26/17</a:t>
             </a:fld>
             <a:endParaRPr lang="en-US"/>
           </a:p>
@@ -1882,7 +1882,7 @@
           <a:p>
             <a:fld id="{9CBA829A-D9D5-46BA-A2F7-9C69DF31B345}" type="datetimeFigureOut">
               <a:rPr lang="en-US" smtClean="0"/>
-              <a:t>8/8/16</a:t>
+              <a:t>10/26/17</a:t>
             </a:fld>
             <a:endParaRPr lang="en-US"/>
           </a:p>
@@ -1977,7 +1977,7 @@
           <a:p>
             <a:fld id="{9CBA829A-D9D5-46BA-A2F7-9C69DF31B345}" type="datetimeFigureOut">
               <a:rPr lang="en-US" smtClean="0"/>
-              <a:t>8/8/16</a:t>
+              <a:t>10/26/17</a:t>
             </a:fld>
             <a:endParaRPr lang="en-US"/>
           </a:p>
@@ -2067,8 +2067,8 @@
         </p:nvSpPr>
         <p:spPr>
           <a:xfrm>
-            <a:off x="1097285" y="291253"/>
-            <a:ext cx="7219951" cy="1239520"/>
+            <a:off x="1088162" y="276718"/>
+            <a:ext cx="7159889" cy="1177651"/>
           </a:xfrm>
         </p:spPr>
         <p:txBody>
@@ -2099,8 +2099,8 @@
         </p:nvSpPr>
         <p:spPr>
           <a:xfrm>
-            <a:off x="8580120" y="291258"/>
-            <a:ext cx="12268200" cy="6243321"/>
+            <a:off x="8508743" y="276722"/>
+            <a:ext cx="12166143" cy="5931698"/>
           </a:xfrm>
         </p:spPr>
         <p:txBody>
@@ -2184,8 +2184,8 @@
         </p:nvSpPr>
         <p:spPr>
           <a:xfrm>
-            <a:off x="1097285" y="1530776"/>
-            <a:ext cx="7219951" cy="5003801"/>
+            <a:off x="1088162" y="1454371"/>
+            <a:ext cx="7159889" cy="4754045"/>
           </a:xfrm>
         </p:spPr>
         <p:txBody>
@@ -2195,35 +2195,35 @@
               <a:buNone/>
               <a:defRPr sz="2700"/>
             </a:lvl1pPr>
-            <a:lvl2pPr marL="888137" indent="0">
+            <a:lvl2pPr marL="881121" indent="0">
               <a:buNone/>
               <a:defRPr sz="2300"/>
             </a:lvl2pPr>
-            <a:lvl3pPr marL="1776277" indent="0">
+            <a:lvl3pPr marL="1762244" indent="0">
               <a:buNone/>
               <a:defRPr sz="1900"/>
             </a:lvl3pPr>
-            <a:lvl4pPr marL="2664414" indent="0">
+            <a:lvl4pPr marL="2643365" indent="0">
               <a:buNone/>
               <a:defRPr sz="1700"/>
             </a:lvl4pPr>
-            <a:lvl5pPr marL="3552552" indent="0">
+            <a:lvl5pPr marL="3524487" indent="0">
               <a:buNone/>
               <a:defRPr sz="1700"/>
             </a:lvl5pPr>
-            <a:lvl6pPr marL="4440691" indent="0">
+            <a:lvl6pPr marL="4405610" indent="0">
               <a:buNone/>
               <a:defRPr sz="1700"/>
             </a:lvl6pPr>
-            <a:lvl7pPr marL="5328828" indent="0">
+            <a:lvl7pPr marL="5286730" indent="0">
               <a:buNone/>
               <a:defRPr sz="1700"/>
             </a:lvl7pPr>
-            <a:lvl8pPr marL="6216968" indent="0">
+            <a:lvl8pPr marL="6167854" indent="0">
               <a:buNone/>
               <a:defRPr sz="1700"/>
             </a:lvl8pPr>
-            <a:lvl9pPr marL="7105105" indent="0">
+            <a:lvl9pPr marL="7048975" indent="0">
               <a:buNone/>
               <a:defRPr sz="1700"/>
             </a:lvl9pPr>
@@ -2254,7 +2254,7 @@
           <a:p>
             <a:fld id="{9CBA829A-D9D5-46BA-A2F7-9C69DF31B345}" type="datetimeFigureOut">
               <a:rPr lang="en-US" smtClean="0"/>
-              <a:t>8/8/16</a:t>
+              <a:t>10/26/17</a:t>
             </a:fld>
             <a:endParaRPr lang="en-US"/>
           </a:p>
@@ -2344,8 +2344,8 @@
         </p:nvSpPr>
         <p:spPr>
           <a:xfrm>
-            <a:off x="4301491" y="5120643"/>
-            <a:ext cx="13167360" cy="604521"/>
+            <a:off x="4265707" y="4865056"/>
+            <a:ext cx="13057823" cy="574349"/>
           </a:xfrm>
         </p:spPr>
         <p:txBody>
@@ -2376,8 +2376,8 @@
         </p:nvSpPr>
         <p:spPr>
           <a:xfrm>
-            <a:off x="4301491" y="653627"/>
-            <a:ext cx="13167360" cy="4389120"/>
+            <a:off x="4265707" y="621004"/>
+            <a:ext cx="13057823" cy="4170045"/>
           </a:xfrm>
         </p:spPr>
         <p:txBody>
@@ -2387,35 +2387,35 @@
               <a:buNone/>
               <a:defRPr sz="6200"/>
             </a:lvl1pPr>
-            <a:lvl2pPr marL="888137" indent="0">
+            <a:lvl2pPr marL="881121" indent="0">
               <a:buNone/>
               <a:defRPr sz="5400"/>
             </a:lvl2pPr>
-            <a:lvl3pPr marL="1776277" indent="0">
+            <a:lvl3pPr marL="1762244" indent="0">
               <a:buNone/>
               <a:defRPr sz="4700"/>
             </a:lvl3pPr>
-            <a:lvl4pPr marL="2664414" indent="0">
+            <a:lvl4pPr marL="2643365" indent="0">
               <a:buNone/>
               <a:defRPr sz="3900"/>
             </a:lvl4pPr>
-            <a:lvl5pPr marL="3552552" indent="0">
+            <a:lvl5pPr marL="3524487" indent="0">
               <a:buNone/>
               <a:defRPr sz="3900"/>
             </a:lvl5pPr>
-            <a:lvl6pPr marL="4440691" indent="0">
+            <a:lvl6pPr marL="4405610" indent="0">
               <a:buNone/>
               <a:defRPr sz="3900"/>
             </a:lvl6pPr>
-            <a:lvl7pPr marL="5328828" indent="0">
+            <a:lvl7pPr marL="5286730" indent="0">
               <a:buNone/>
               <a:defRPr sz="3900"/>
             </a:lvl7pPr>
-            <a:lvl8pPr marL="6216968" indent="0">
+            <a:lvl8pPr marL="6167854" indent="0">
               <a:buNone/>
               <a:defRPr sz="3900"/>
             </a:lvl8pPr>
-            <a:lvl9pPr marL="7105105" indent="0">
+            <a:lvl9pPr marL="7048975" indent="0">
               <a:buNone/>
               <a:defRPr sz="3900"/>
             </a:lvl9pPr>
@@ -2437,8 +2437,8 @@
         </p:nvSpPr>
         <p:spPr>
           <a:xfrm>
-            <a:off x="4301491" y="5725164"/>
-            <a:ext cx="13167360" cy="858519"/>
+            <a:off x="4265707" y="5439405"/>
+            <a:ext cx="13057823" cy="815667"/>
           </a:xfrm>
         </p:spPr>
         <p:txBody>
@@ -2448,35 +2448,35 @@
               <a:buNone/>
               <a:defRPr sz="2700"/>
             </a:lvl1pPr>
-            <a:lvl2pPr marL="888137" indent="0">
+            <a:lvl2pPr marL="881121" indent="0">
               <a:buNone/>
               <a:defRPr sz="2300"/>
             </a:lvl2pPr>
-            <a:lvl3pPr marL="1776277" indent="0">
+            <a:lvl3pPr marL="1762244" indent="0">
               <a:buNone/>
               <a:defRPr sz="1900"/>
             </a:lvl3pPr>
-            <a:lvl4pPr marL="2664414" indent="0">
+            <a:lvl4pPr marL="2643365" indent="0">
               <a:buNone/>
               <a:defRPr sz="1700"/>
             </a:lvl4pPr>
-            <a:lvl5pPr marL="3552552" indent="0">
+            <a:lvl5pPr marL="3524487" indent="0">
               <a:buNone/>
               <a:defRPr sz="1700"/>
             </a:lvl5pPr>
-            <a:lvl6pPr marL="4440691" indent="0">
+            <a:lvl6pPr marL="4405610" indent="0">
               <a:buNone/>
               <a:defRPr sz="1700"/>
             </a:lvl6pPr>
-            <a:lvl7pPr marL="5328828" indent="0">
+            <a:lvl7pPr marL="5286730" indent="0">
               <a:buNone/>
               <a:defRPr sz="1700"/>
             </a:lvl7pPr>
-            <a:lvl8pPr marL="6216968" indent="0">
+            <a:lvl8pPr marL="6167854" indent="0">
               <a:buNone/>
               <a:defRPr sz="1700"/>
             </a:lvl8pPr>
-            <a:lvl9pPr marL="7105105" indent="0">
+            <a:lvl9pPr marL="7048975" indent="0">
               <a:buNone/>
               <a:defRPr sz="1700"/>
             </a:lvl9pPr>
@@ -2507,7 +2507,7 @@
           <a:p>
             <a:fld id="{9CBA829A-D9D5-46BA-A2F7-9C69DF31B345}" type="datetimeFigureOut">
               <a:rPr lang="en-US" smtClean="0"/>
-              <a:t>8/8/16</a:t>
+              <a:t>10/26/17</a:t>
             </a:fld>
             <a:endParaRPr lang="en-US"/>
           </a:p>
@@ -2602,15 +2602,15 @@
         </p:nvSpPr>
         <p:spPr>
           <a:xfrm>
-            <a:off x="1097280" y="292947"/>
-            <a:ext cx="19751040" cy="1219200"/>
+            <a:off x="1088152" y="278326"/>
+            <a:ext cx="19586734" cy="1158346"/>
           </a:xfrm>
           <a:prstGeom prst="rect">
             <a:avLst/>
           </a:prstGeom>
         </p:spPr>
         <p:txBody>
-          <a:bodyPr vert="horz" lIns="177628" tIns="88813" rIns="177628" bIns="88813" rtlCol="0" anchor="ctr">
+          <a:bodyPr vert="horz" lIns="176225" tIns="88111" rIns="176225" bIns="88111" rtlCol="0" anchor="ctr">
             <a:normAutofit/>
           </a:bodyPr>
           <a:lstStyle/>
@@ -2635,15 +2635,15 @@
         </p:nvSpPr>
         <p:spPr>
           <a:xfrm>
-            <a:off x="1097280" y="1706882"/>
-            <a:ext cx="19751040" cy="4827694"/>
+            <a:off x="1088152" y="1621687"/>
+            <a:ext cx="19586734" cy="4586729"/>
           </a:xfrm>
           <a:prstGeom prst="rect">
             <a:avLst/>
           </a:prstGeom>
         </p:spPr>
         <p:txBody>
-          <a:bodyPr vert="horz" lIns="177628" tIns="88813" rIns="177628" bIns="88813" rtlCol="0">
+          <a:bodyPr vert="horz" lIns="176225" tIns="88111" rIns="176225" bIns="88111" rtlCol="0">
             <a:normAutofit/>
           </a:bodyPr>
           <a:lstStyle/>
@@ -2697,15 +2697,15 @@
         </p:nvSpPr>
         <p:spPr>
           <a:xfrm>
-            <a:off x="1097280" y="6780111"/>
-            <a:ext cx="5120640" cy="389467"/>
+            <a:off x="1088152" y="6441696"/>
+            <a:ext cx="5078042" cy="370027"/>
           </a:xfrm>
           <a:prstGeom prst="rect">
             <a:avLst/>
           </a:prstGeom>
         </p:spPr>
         <p:txBody>
-          <a:bodyPr vert="horz" lIns="177628" tIns="88813" rIns="177628" bIns="88813" rtlCol="0" anchor="ctr"/>
+          <a:bodyPr vert="horz" lIns="176225" tIns="88111" rIns="176225" bIns="88111" rtlCol="0" anchor="ctr"/>
           <a:lstStyle>
             <a:lvl1pPr algn="l">
               <a:defRPr sz="2300">
@@ -2720,7 +2720,7 @@
           <a:p>
             <a:fld id="{9CBA829A-D9D5-46BA-A2F7-9C69DF31B345}" type="datetimeFigureOut">
               <a:rPr lang="en-US" smtClean="0"/>
-              <a:t>8/8/16</a:t>
+              <a:t>10/26/17</a:t>
             </a:fld>
             <a:endParaRPr lang="en-US"/>
           </a:p>
@@ -2738,15 +2738,15 @@
         </p:nvSpPr>
         <p:spPr>
           <a:xfrm>
-            <a:off x="7498080" y="6780111"/>
-            <a:ext cx="6949440" cy="389467"/>
+            <a:off x="7435705" y="6441696"/>
+            <a:ext cx="6891629" cy="370027"/>
           </a:xfrm>
           <a:prstGeom prst="rect">
             <a:avLst/>
           </a:prstGeom>
         </p:spPr>
         <p:txBody>
-          <a:bodyPr vert="horz" lIns="177628" tIns="88813" rIns="177628" bIns="88813" rtlCol="0" anchor="ctr"/>
+          <a:bodyPr vert="horz" lIns="176225" tIns="88111" rIns="176225" bIns="88111" rtlCol="0" anchor="ctr"/>
           <a:lstStyle>
             <a:lvl1pPr algn="ctr">
               <a:defRPr sz="2300">
@@ -2775,15 +2775,15 @@
         </p:nvSpPr>
         <p:spPr>
           <a:xfrm>
-            <a:off x="15727680" y="6780111"/>
-            <a:ext cx="5120640" cy="389467"/>
+            <a:off x="15596844" y="6441696"/>
+            <a:ext cx="5078042" cy="370027"/>
           </a:xfrm>
           <a:prstGeom prst="rect">
             <a:avLst/>
           </a:prstGeom>
         </p:spPr>
         <p:txBody>
-          <a:bodyPr vert="horz" lIns="177628" tIns="88813" rIns="177628" bIns="88813" rtlCol="0" anchor="ctr"/>
+          <a:bodyPr vert="horz" lIns="176225" tIns="88111" rIns="176225" bIns="88111" rtlCol="0" anchor="ctr"/>
           <a:lstStyle>
             <a:lvl1pPr algn="r">
               <a:defRPr sz="2300">
@@ -2827,12 +2827,12 @@
   </p:sldLayoutIdLst>
   <p:txStyles>
     <p:titleStyle>
-      <a:lvl1pPr algn="ctr" defTabSz="1776277" rtl="0" eaLnBrk="1" latinLnBrk="0" hangingPunct="1">
+      <a:lvl1pPr algn="ctr" defTabSz="1762244" rtl="0" eaLnBrk="1" latinLnBrk="0" hangingPunct="1">
         <a:spcBef>
           <a:spcPct val="0"/>
         </a:spcBef>
         <a:buNone/>
-        <a:defRPr sz="8500" kern="1200">
+        <a:defRPr sz="8400" kern="1200">
           <a:solidFill>
             <a:schemeClr val="tx1"/>
           </a:solidFill>
@@ -2843,7 +2843,7 @@
       </a:lvl1pPr>
     </p:titleStyle>
     <p:bodyStyle>
-      <a:lvl1pPr marL="666103" indent="-666103" algn="l" defTabSz="1776277" rtl="0" eaLnBrk="1" latinLnBrk="0" hangingPunct="1">
+      <a:lvl1pPr marL="660841" indent="-660841" algn="l" defTabSz="1762244" rtl="0" eaLnBrk="1" latinLnBrk="0" hangingPunct="1">
         <a:spcBef>
           <a:spcPct val="20000"/>
         </a:spcBef>
@@ -2858,7 +2858,7 @@
           <a:cs typeface="+mn-cs"/>
         </a:defRPr>
       </a:lvl1pPr>
-      <a:lvl2pPr marL="1443225" indent="-555087" algn="l" defTabSz="1776277" rtl="0" eaLnBrk="1" latinLnBrk="0" hangingPunct="1">
+      <a:lvl2pPr marL="1431824" indent="-550702" algn="l" defTabSz="1762244" rtl="0" eaLnBrk="1" latinLnBrk="0" hangingPunct="1">
         <a:spcBef>
           <a:spcPct val="20000"/>
         </a:spcBef>
@@ -2873,7 +2873,7 @@
           <a:cs typeface="+mn-cs"/>
         </a:defRPr>
       </a:lvl2pPr>
-      <a:lvl3pPr marL="2220345" indent="-444070" algn="l" defTabSz="1776277" rtl="0" eaLnBrk="1" latinLnBrk="0" hangingPunct="1">
+      <a:lvl3pPr marL="2202804" indent="-440562" algn="l" defTabSz="1762244" rtl="0" eaLnBrk="1" latinLnBrk="0" hangingPunct="1">
         <a:spcBef>
           <a:spcPct val="20000"/>
         </a:spcBef>
@@ -2888,7 +2888,7 @@
           <a:cs typeface="+mn-cs"/>
         </a:defRPr>
       </a:lvl3pPr>
-      <a:lvl4pPr marL="3108484" indent="-444070" algn="l" defTabSz="1776277" rtl="0" eaLnBrk="1" latinLnBrk="0" hangingPunct="1">
+      <a:lvl4pPr marL="3083927" indent="-440562" algn="l" defTabSz="1762244" rtl="0" eaLnBrk="1" latinLnBrk="0" hangingPunct="1">
         <a:spcBef>
           <a:spcPct val="20000"/>
         </a:spcBef>
@@ -2903,7 +2903,7 @@
           <a:cs typeface="+mn-cs"/>
         </a:defRPr>
       </a:lvl4pPr>
-      <a:lvl5pPr marL="3996621" indent="-444070" algn="l" defTabSz="1776277" rtl="0" eaLnBrk="1" latinLnBrk="0" hangingPunct="1">
+      <a:lvl5pPr marL="3965048" indent="-440562" algn="l" defTabSz="1762244" rtl="0" eaLnBrk="1" latinLnBrk="0" hangingPunct="1">
         <a:spcBef>
           <a:spcPct val="20000"/>
         </a:spcBef>
@@ -2918,7 +2918,7 @@
           <a:cs typeface="+mn-cs"/>
         </a:defRPr>
       </a:lvl5pPr>
-      <a:lvl6pPr marL="4884759" indent="-444070" algn="l" defTabSz="1776277" rtl="0" eaLnBrk="1" latinLnBrk="0" hangingPunct="1">
+      <a:lvl6pPr marL="4846169" indent="-440562" algn="l" defTabSz="1762244" rtl="0" eaLnBrk="1" latinLnBrk="0" hangingPunct="1">
         <a:spcBef>
           <a:spcPct val="20000"/>
         </a:spcBef>
@@ -2933,7 +2933,7 @@
           <a:cs typeface="+mn-cs"/>
         </a:defRPr>
       </a:lvl6pPr>
-      <a:lvl7pPr marL="5772898" indent="-444070" algn="l" defTabSz="1776277" rtl="0" eaLnBrk="1" latinLnBrk="0" hangingPunct="1">
+      <a:lvl7pPr marL="5727292" indent="-440562" algn="l" defTabSz="1762244" rtl="0" eaLnBrk="1" latinLnBrk="0" hangingPunct="1">
         <a:spcBef>
           <a:spcPct val="20000"/>
         </a:spcBef>
@@ -2948,7 +2948,7 @@
           <a:cs typeface="+mn-cs"/>
         </a:defRPr>
       </a:lvl7pPr>
-      <a:lvl8pPr marL="6661036" indent="-444070" algn="l" defTabSz="1776277" rtl="0" eaLnBrk="1" latinLnBrk="0" hangingPunct="1">
+      <a:lvl8pPr marL="6608414" indent="-440562" algn="l" defTabSz="1762244" rtl="0" eaLnBrk="1" latinLnBrk="0" hangingPunct="1">
         <a:spcBef>
           <a:spcPct val="20000"/>
         </a:spcBef>
@@ -2963,7 +2963,7 @@
           <a:cs typeface="+mn-cs"/>
         </a:defRPr>
       </a:lvl8pPr>
-      <a:lvl9pPr marL="7549175" indent="-444070" algn="l" defTabSz="1776277" rtl="0" eaLnBrk="1" latinLnBrk="0" hangingPunct="1">
+      <a:lvl9pPr marL="7489537" indent="-440562" algn="l" defTabSz="1762244" rtl="0" eaLnBrk="1" latinLnBrk="0" hangingPunct="1">
         <a:spcBef>
           <a:spcPct val="20000"/>
         </a:spcBef>
@@ -2983,7 +2983,7 @@
       <a:defPPr>
         <a:defRPr lang="en-US"/>
       </a:defPPr>
-      <a:lvl1pPr marL="0" algn="l" defTabSz="1776277" rtl="0" eaLnBrk="1" latinLnBrk="0" hangingPunct="1">
+      <a:lvl1pPr marL="0" algn="l" defTabSz="1762244" rtl="0" eaLnBrk="1" latinLnBrk="0" hangingPunct="1">
         <a:defRPr sz="3500" kern="1200">
           <a:solidFill>
             <a:schemeClr val="tx1"/>
@@ -2993,7 +2993,7 @@
           <a:cs typeface="+mn-cs"/>
         </a:defRPr>
       </a:lvl1pPr>
-      <a:lvl2pPr marL="888137" algn="l" defTabSz="1776277" rtl="0" eaLnBrk="1" latinLnBrk="0" hangingPunct="1">
+      <a:lvl2pPr marL="881121" algn="l" defTabSz="1762244" rtl="0" eaLnBrk="1" latinLnBrk="0" hangingPunct="1">
         <a:defRPr sz="3500" kern="1200">
           <a:solidFill>
             <a:schemeClr val="tx1"/>
@@ -3003,7 +3003,7 @@
           <a:cs typeface="+mn-cs"/>
         </a:defRPr>
       </a:lvl2pPr>
-      <a:lvl3pPr marL="1776277" algn="l" defTabSz="1776277" rtl="0" eaLnBrk="1" latinLnBrk="0" hangingPunct="1">
+      <a:lvl3pPr marL="1762244" algn="l" defTabSz="1762244" rtl="0" eaLnBrk="1" latinLnBrk="0" hangingPunct="1">
         <a:defRPr sz="3500" kern="1200">
           <a:solidFill>
             <a:schemeClr val="tx1"/>
@@ -3013,7 +3013,7 @@
           <a:cs typeface="+mn-cs"/>
         </a:defRPr>
       </a:lvl3pPr>
-      <a:lvl4pPr marL="2664414" algn="l" defTabSz="1776277" rtl="0" eaLnBrk="1" latinLnBrk="0" hangingPunct="1">
+      <a:lvl4pPr marL="2643365" algn="l" defTabSz="1762244" rtl="0" eaLnBrk="1" latinLnBrk="0" hangingPunct="1">
         <a:defRPr sz="3500" kern="1200">
           <a:solidFill>
             <a:schemeClr val="tx1"/>
@@ -3023,7 +3023,7 @@
           <a:cs typeface="+mn-cs"/>
         </a:defRPr>
       </a:lvl4pPr>
-      <a:lvl5pPr marL="3552552" algn="l" defTabSz="1776277" rtl="0" eaLnBrk="1" latinLnBrk="0" hangingPunct="1">
+      <a:lvl5pPr marL="3524487" algn="l" defTabSz="1762244" rtl="0" eaLnBrk="1" latinLnBrk="0" hangingPunct="1">
         <a:defRPr sz="3500" kern="1200">
           <a:solidFill>
             <a:schemeClr val="tx1"/>
@@ -3033,7 +3033,7 @@
           <a:cs typeface="+mn-cs"/>
         </a:defRPr>
       </a:lvl5pPr>
-      <a:lvl6pPr marL="4440691" algn="l" defTabSz="1776277" rtl="0" eaLnBrk="1" latinLnBrk="0" hangingPunct="1">
+      <a:lvl6pPr marL="4405610" algn="l" defTabSz="1762244" rtl="0" eaLnBrk="1" latinLnBrk="0" hangingPunct="1">
         <a:defRPr sz="3500" kern="1200">
           <a:solidFill>
             <a:schemeClr val="tx1"/>
@@ -3043,7 +3043,7 @@
           <a:cs typeface="+mn-cs"/>
         </a:defRPr>
       </a:lvl6pPr>
-      <a:lvl7pPr marL="5328828" algn="l" defTabSz="1776277" rtl="0" eaLnBrk="1" latinLnBrk="0" hangingPunct="1">
+      <a:lvl7pPr marL="5286730" algn="l" defTabSz="1762244" rtl="0" eaLnBrk="1" latinLnBrk="0" hangingPunct="1">
         <a:defRPr sz="3500" kern="1200">
           <a:solidFill>
             <a:schemeClr val="tx1"/>
@@ -3053,7 +3053,7 @@
           <a:cs typeface="+mn-cs"/>
         </a:defRPr>
       </a:lvl7pPr>
-      <a:lvl8pPr marL="6216968" algn="l" defTabSz="1776277" rtl="0" eaLnBrk="1" latinLnBrk="0" hangingPunct="1">
+      <a:lvl8pPr marL="6167854" algn="l" defTabSz="1762244" rtl="0" eaLnBrk="1" latinLnBrk="0" hangingPunct="1">
         <a:defRPr sz="3500" kern="1200">
           <a:solidFill>
             <a:schemeClr val="tx1"/>
@@ -3063,7 +3063,7 @@
           <a:cs typeface="+mn-cs"/>
         </a:defRPr>
       </a:lvl8pPr>
-      <a:lvl9pPr marL="7105105" algn="l" defTabSz="1776277" rtl="0" eaLnBrk="1" latinLnBrk="0" hangingPunct="1">
+      <a:lvl9pPr marL="7048975" algn="l" defTabSz="1762244" rtl="0" eaLnBrk="1" latinLnBrk="0" hangingPunct="1">
         <a:defRPr sz="3500" kern="1200">
           <a:solidFill>
             <a:schemeClr val="tx1"/>
@@ -3095,316 +3095,207 @@
           <a:chExt cx="0" cy="0"/>
         </a:xfrm>
       </p:grpSpPr>
-      <p:pic>
-        <p:nvPicPr>
-          <p:cNvPr id="12" name="Picture 7"/>
-          <p:cNvPicPr>
-            <a:picLocks noChangeAspect="1" noChangeArrowheads="1"/>
-          </p:cNvPicPr>
+      <p:grpSp>
+        <p:nvGrpSpPr>
+          <p:cNvPr id="36" name="Group 35"/>
+          <p:cNvGrpSpPr/>
           <p:nvPr/>
-        </p:nvPicPr>
-        <p:blipFill rotWithShape="1">
-          <a:blip r:embed="rId2">
+        </p:nvGrpSpPr>
+        <p:grpSpPr>
+          <a:xfrm>
+            <a:off x="-15081" y="4636"/>
+            <a:ext cx="21797185" cy="7001001"/>
+            <a:chOff x="164838" y="150619"/>
+            <a:chExt cx="21330722" cy="6851179"/>
+          </a:xfrm>
+        </p:grpSpPr>
+        <p:pic>
+          <p:nvPicPr>
+            <p:cNvPr id="37" name="Picture 2"/>
+            <p:cNvPicPr>
+              <a:picLocks noChangeAspect="1" noChangeArrowheads="1"/>
+            </p:cNvPicPr>
+            <p:nvPr/>
+          </p:nvPicPr>
+          <p:blipFill rotWithShape="1">
+            <a:blip r:embed="rId2">
+              <a:extLst>
+                <a:ext uri="{28A0092B-C50C-407E-A947-70E740481C1C}">
+                  <a14:useLocalDpi xmlns:a14="http://schemas.microsoft.com/office/drawing/2010/main" val="0"/>
+                </a:ext>
+              </a:extLst>
+            </a:blip>
+            <a:srcRect l="-1" t="10486" r="54470" b="9593"/>
+            <a:stretch/>
+          </p:blipFill>
+          <p:spPr bwMode="auto">
+            <a:xfrm>
+              <a:off x="14556714" y="150619"/>
+              <a:ext cx="6938846" cy="6851179"/>
+            </a:xfrm>
+            <a:prstGeom prst="rect">
+              <a:avLst/>
+            </a:prstGeom>
+            <a:noFill/>
+            <a:ln>
+              <a:noFill/>
+            </a:ln>
+            <a:effectLst/>
             <a:extLst>
-              <a:ext uri="{28A0092B-C50C-407E-A947-70E740481C1C}">
-                <a14:useLocalDpi xmlns:a14="http://schemas.microsoft.com/office/drawing/2010/main" val="0"/>
+              <a:ext uri="{909E8E84-426E-40dd-AFC4-6F175D3DCCD1}">
+                <a14:hiddenFill xmlns:a14="http://schemas.microsoft.com/office/drawing/2010/main">
+                  <a:solidFill>
+                    <a:schemeClr val="accent1"/>
+                  </a:solidFill>
+                </a14:hiddenFill>
+              </a:ext>
+              <a:ext uri="{91240B29-F687-4f45-9708-019B960494DF}">
+                <a14:hiddenLine xmlns:a14="http://schemas.microsoft.com/office/drawing/2010/main" w="9525">
+                  <a:solidFill>
+                    <a:schemeClr val="tx1"/>
+                  </a:solidFill>
+                  <a:miter lim="800000"/>
+                  <a:headEnd/>
+                  <a:tailEnd/>
+                </a14:hiddenLine>
+              </a:ext>
+              <a:ext uri="{AF507438-7753-43e0-B8FC-AC1667EBCBE1}">
+                <a14:hiddenEffects xmlns:a14="http://schemas.microsoft.com/office/drawing/2010/main">
+                  <a:effectLst>
+                    <a:outerShdw dist="35921" dir="2700000" algn="ctr" rotWithShape="0">
+                      <a:schemeClr val="bg2"/>
+                    </a:outerShdw>
+                  </a:effectLst>
+                </a14:hiddenEffects>
               </a:ext>
             </a:extLst>
-          </a:blip>
-          <a:srcRect l="521" t="10259" r="54589" b="9821"/>
-          <a:stretch/>
-        </p:blipFill>
-        <p:spPr bwMode="auto">
-          <a:xfrm>
-            <a:off x="14799669" y="159222"/>
-            <a:ext cx="6841131" cy="6851178"/>
-          </a:xfrm>
-          <a:prstGeom prst="rect">
-            <a:avLst/>
-          </a:prstGeom>
-          <a:noFill/>
-          <a:ln>
+          </p:spPr>
+        </p:pic>
+        <p:pic>
+          <p:nvPicPr>
+            <p:cNvPr id="38" name="Picture 3"/>
+            <p:cNvPicPr>
+              <a:picLocks noChangeAspect="1" noChangeArrowheads="1"/>
+            </p:cNvPicPr>
+            <p:nvPr/>
+          </p:nvPicPr>
+          <p:blipFill rotWithShape="1">
+            <a:blip r:embed="rId3">
+              <a:extLst>
+                <a:ext uri="{28A0092B-C50C-407E-A947-70E740481C1C}">
+                  <a14:useLocalDpi xmlns:a14="http://schemas.microsoft.com/office/drawing/2010/main" val="0"/>
+                </a:ext>
+              </a:extLst>
+            </a:blip>
+            <a:srcRect l="473" t="10151" r="54696" b="9950"/>
+            <a:stretch/>
+          </p:blipFill>
+          <p:spPr bwMode="auto">
+            <a:xfrm>
+              <a:off x="164838" y="150619"/>
+              <a:ext cx="6832120" cy="6849373"/>
+            </a:xfrm>
+            <a:prstGeom prst="rect">
+              <a:avLst/>
+            </a:prstGeom>
             <a:noFill/>
-          </a:ln>
-          <a:effectLst/>
-          <a:extLst>
-            <a:ext uri="{909E8E84-426E-40dd-AFC4-6F175D3DCCD1}">
-              <a14:hiddenFill xmlns:a14="http://schemas.microsoft.com/office/drawing/2010/main">
-                <a:solidFill>
-                  <a:schemeClr val="accent1"/>
-                </a:solidFill>
-              </a14:hiddenFill>
-            </a:ext>
-            <a:ext uri="{91240B29-F687-4f45-9708-019B960494DF}">
-              <a14:hiddenLine xmlns:a14="http://schemas.microsoft.com/office/drawing/2010/main" w="9525">
-                <a:solidFill>
-                  <a:schemeClr val="tx1"/>
-                </a:solidFill>
-                <a:miter lim="800000"/>
-                <a:headEnd/>
-                <a:tailEnd/>
-              </a14:hiddenLine>
-            </a:ext>
-            <a:ext uri="{AF507438-7753-43e0-B8FC-AC1667EBCBE1}">
-              <a14:hiddenEffects xmlns:a14="http://schemas.microsoft.com/office/drawing/2010/main">
-                <a:effectLst>
-                  <a:outerShdw dist="35921" dir="2700000" algn="ctr" rotWithShape="0">
-                    <a:schemeClr val="bg2"/>
-                  </a:outerShdw>
-                </a:effectLst>
-              </a14:hiddenEffects>
-            </a:ext>
-          </a:extLst>
-        </p:spPr>
-      </p:pic>
-      <p:pic>
-        <p:nvPicPr>
-          <p:cNvPr id="13" name="Picture 8"/>
-          <p:cNvPicPr>
-            <a:picLocks noChangeAspect="1" noChangeArrowheads="1"/>
-          </p:cNvPicPr>
-          <p:nvPr/>
-        </p:nvPicPr>
-        <p:blipFill rotWithShape="1">
-          <a:blip r:embed="rId3">
+            <a:ln>
+              <a:noFill/>
+            </a:ln>
+            <a:effectLst/>
             <a:extLst>
-              <a:ext uri="{28A0092B-C50C-407E-A947-70E740481C1C}">
-                <a14:useLocalDpi xmlns:a14="http://schemas.microsoft.com/office/drawing/2010/main" val="0"/>
+              <a:ext uri="{909E8E84-426E-40dd-AFC4-6F175D3DCCD1}">
+                <a14:hiddenFill xmlns:a14="http://schemas.microsoft.com/office/drawing/2010/main">
+                  <a:solidFill>
+                    <a:schemeClr val="accent1"/>
+                  </a:solidFill>
+                </a14:hiddenFill>
+              </a:ext>
+              <a:ext uri="{91240B29-F687-4f45-9708-019B960494DF}">
+                <a14:hiddenLine xmlns:a14="http://schemas.microsoft.com/office/drawing/2010/main" w="9525">
+                  <a:solidFill>
+                    <a:schemeClr val="tx1"/>
+                  </a:solidFill>
+                  <a:miter lim="800000"/>
+                  <a:headEnd/>
+                  <a:tailEnd/>
+                </a14:hiddenLine>
+              </a:ext>
+              <a:ext uri="{AF507438-7753-43e0-B8FC-AC1667EBCBE1}">
+                <a14:hiddenEffects xmlns:a14="http://schemas.microsoft.com/office/drawing/2010/main">
+                  <a:effectLst>
+                    <a:outerShdw dist="35921" dir="2700000" algn="ctr" rotWithShape="0">
+                      <a:schemeClr val="bg2"/>
+                    </a:outerShdw>
+                  </a:effectLst>
+                </a14:hiddenEffects>
               </a:ext>
             </a:extLst>
-          </a:blip>
-          <a:srcRect l="491" t="10409" r="54597" b="9754"/>
-          <a:stretch/>
-        </p:blipFill>
-        <p:spPr bwMode="auto">
-          <a:xfrm>
-            <a:off x="152400" y="166423"/>
-            <a:ext cx="6844559" cy="6843977"/>
-          </a:xfrm>
-          <a:prstGeom prst="rect">
-            <a:avLst/>
-          </a:prstGeom>
-          <a:noFill/>
-          <a:ln>
+          </p:spPr>
+        </p:pic>
+        <p:pic>
+          <p:nvPicPr>
+            <p:cNvPr id="39" name="Picture 4"/>
+            <p:cNvPicPr>
+              <a:picLocks noChangeAspect="1" noChangeArrowheads="1"/>
+            </p:cNvPicPr>
+            <p:nvPr/>
+          </p:nvPicPr>
+          <p:blipFill rotWithShape="1">
+            <a:blip r:embed="rId4">
+              <a:extLst>
+                <a:ext uri="{28A0092B-C50C-407E-A947-70E740481C1C}">
+                  <a14:useLocalDpi xmlns:a14="http://schemas.microsoft.com/office/drawing/2010/main" val="0"/>
+                </a:ext>
+              </a:extLst>
+            </a:blip>
+            <a:srcRect l="442" t="10519" r="54440" b="9688"/>
+            <a:stretch/>
+          </p:blipFill>
+          <p:spPr bwMode="auto">
+            <a:xfrm>
+              <a:off x="7338930" y="150619"/>
+              <a:ext cx="6875812" cy="6840187"/>
+            </a:xfrm>
+            <a:prstGeom prst="rect">
+              <a:avLst/>
+            </a:prstGeom>
             <a:noFill/>
-          </a:ln>
-          <a:effectLst/>
-          <a:extLst>
-            <a:ext uri="{909E8E84-426E-40dd-AFC4-6F175D3DCCD1}">
-              <a14:hiddenFill xmlns:a14="http://schemas.microsoft.com/office/drawing/2010/main">
-                <a:solidFill>
-                  <a:schemeClr val="accent1"/>
-                </a:solidFill>
-              </a14:hiddenFill>
-            </a:ext>
-            <a:ext uri="{91240B29-F687-4f45-9708-019B960494DF}">
-              <a14:hiddenLine xmlns:a14="http://schemas.microsoft.com/office/drawing/2010/main" w="9525">
-                <a:solidFill>
-                  <a:schemeClr val="tx1"/>
-                </a:solidFill>
-                <a:miter lim="800000"/>
-                <a:headEnd/>
-                <a:tailEnd/>
-              </a14:hiddenLine>
-            </a:ext>
-            <a:ext uri="{AF507438-7753-43e0-B8FC-AC1667EBCBE1}">
-              <a14:hiddenEffects xmlns:a14="http://schemas.microsoft.com/office/drawing/2010/main">
-                <a:effectLst>
-                  <a:outerShdw dist="35921" dir="2700000" algn="ctr" rotWithShape="0">
-                    <a:schemeClr val="bg2"/>
-                  </a:outerShdw>
-                </a:effectLst>
-              </a14:hiddenEffects>
-            </a:ext>
-          </a:extLst>
-        </p:spPr>
-      </p:pic>
-      <p:pic>
-        <p:nvPicPr>
-          <p:cNvPr id="1026" name="Picture 2"/>
-          <p:cNvPicPr>
-            <a:picLocks noChangeAspect="1" noChangeArrowheads="1"/>
-          </p:cNvPicPr>
-          <p:nvPr/>
-        </p:nvPicPr>
-        <p:blipFill rotWithShape="1">
-          <a:blip r:embed="rId4">
+            <a:ln>
+              <a:noFill/>
+            </a:ln>
+            <a:effectLst/>
             <a:extLst>
-              <a:ext uri="{28A0092B-C50C-407E-A947-70E740481C1C}">
-                <a14:useLocalDpi xmlns:a14="http://schemas.microsoft.com/office/drawing/2010/main" val="0"/>
+              <a:ext uri="{909E8E84-426E-40dd-AFC4-6F175D3DCCD1}">
+                <a14:hiddenFill xmlns:a14="http://schemas.microsoft.com/office/drawing/2010/main">
+                  <a:solidFill>
+                    <a:schemeClr val="accent1"/>
+                  </a:solidFill>
+                </a14:hiddenFill>
+              </a:ext>
+              <a:ext uri="{91240B29-F687-4f45-9708-019B960494DF}">
+                <a14:hiddenLine xmlns:a14="http://schemas.microsoft.com/office/drawing/2010/main" w="9525">
+                  <a:solidFill>
+                    <a:schemeClr val="tx1"/>
+                  </a:solidFill>
+                  <a:miter lim="800000"/>
+                  <a:headEnd/>
+                  <a:tailEnd/>
+                </a14:hiddenLine>
+              </a:ext>
+              <a:ext uri="{AF507438-7753-43e0-B8FC-AC1667EBCBE1}">
+                <a14:hiddenEffects xmlns:a14="http://schemas.microsoft.com/office/drawing/2010/main">
+                  <a:effectLst>
+                    <a:outerShdw dist="35921" dir="2700000" algn="ctr" rotWithShape="0">
+                      <a:schemeClr val="bg2"/>
+                    </a:outerShdw>
+                  </a:effectLst>
+                </a14:hiddenEffects>
               </a:ext>
             </a:extLst>
-          </a:blip>
-          <a:srcRect l="-1" t="10486" r="54470" b="9593"/>
-          <a:stretch/>
-        </p:blipFill>
-        <p:spPr bwMode="auto">
-          <a:xfrm>
-            <a:off x="14701953" y="150619"/>
-            <a:ext cx="6938847" cy="6851179"/>
-          </a:xfrm>
-          <a:prstGeom prst="rect">
-            <a:avLst/>
-          </a:prstGeom>
-          <a:noFill/>
-          <a:ln>
-            <a:noFill/>
-          </a:ln>
-          <a:effectLst/>
-          <a:extLst>
-            <a:ext uri="{909E8E84-426E-40dd-AFC4-6F175D3DCCD1}">
-              <a14:hiddenFill xmlns:a14="http://schemas.microsoft.com/office/drawing/2010/main">
-                <a:solidFill>
-                  <a:schemeClr val="accent1"/>
-                </a:solidFill>
-              </a14:hiddenFill>
-            </a:ext>
-            <a:ext uri="{91240B29-F687-4f45-9708-019B960494DF}">
-              <a14:hiddenLine xmlns:a14="http://schemas.microsoft.com/office/drawing/2010/main" w="9525">
-                <a:solidFill>
-                  <a:schemeClr val="tx1"/>
-                </a:solidFill>
-                <a:miter lim="800000"/>
-                <a:headEnd/>
-                <a:tailEnd/>
-              </a14:hiddenLine>
-            </a:ext>
-            <a:ext uri="{AF507438-7753-43e0-B8FC-AC1667EBCBE1}">
-              <a14:hiddenEffects xmlns:a14="http://schemas.microsoft.com/office/drawing/2010/main">
-                <a:effectLst>
-                  <a:outerShdw dist="35921" dir="2700000" algn="ctr" rotWithShape="0">
-                    <a:schemeClr val="bg2"/>
-                  </a:outerShdw>
-                </a:effectLst>
-              </a14:hiddenEffects>
-            </a:ext>
-          </a:extLst>
-        </p:spPr>
-      </p:pic>
-      <p:pic>
-        <p:nvPicPr>
-          <p:cNvPr id="1027" name="Picture 3"/>
-          <p:cNvPicPr>
-            <a:picLocks noChangeAspect="1" noChangeArrowheads="1"/>
-          </p:cNvPicPr>
-          <p:nvPr/>
-        </p:nvPicPr>
-        <p:blipFill rotWithShape="1">
-          <a:blip r:embed="rId5">
-            <a:extLst>
-              <a:ext uri="{28A0092B-C50C-407E-A947-70E740481C1C}">
-                <a14:useLocalDpi xmlns:a14="http://schemas.microsoft.com/office/drawing/2010/main" val="0"/>
-              </a:ext>
-            </a:extLst>
-          </a:blip>
-          <a:srcRect l="473" t="10151" r="54696" b="9950"/>
-          <a:stretch/>
-        </p:blipFill>
-        <p:spPr bwMode="auto">
-          <a:xfrm>
-            <a:off x="164838" y="150619"/>
-            <a:ext cx="6832121" cy="6849373"/>
-          </a:xfrm>
-          <a:prstGeom prst="rect">
-            <a:avLst/>
-          </a:prstGeom>
-          <a:noFill/>
-          <a:ln>
-            <a:noFill/>
-          </a:ln>
-          <a:effectLst/>
-          <a:extLst>
-            <a:ext uri="{909E8E84-426E-40dd-AFC4-6F175D3DCCD1}">
-              <a14:hiddenFill xmlns:a14="http://schemas.microsoft.com/office/drawing/2010/main">
-                <a:solidFill>
-                  <a:schemeClr val="accent1"/>
-                </a:solidFill>
-              </a14:hiddenFill>
-            </a:ext>
-            <a:ext uri="{91240B29-F687-4f45-9708-019B960494DF}">
-              <a14:hiddenLine xmlns:a14="http://schemas.microsoft.com/office/drawing/2010/main" w="9525">
-                <a:solidFill>
-                  <a:schemeClr val="tx1"/>
-                </a:solidFill>
-                <a:miter lim="800000"/>
-                <a:headEnd/>
-                <a:tailEnd/>
-              </a14:hiddenLine>
-            </a:ext>
-            <a:ext uri="{AF507438-7753-43e0-B8FC-AC1667EBCBE1}">
-              <a14:hiddenEffects xmlns:a14="http://schemas.microsoft.com/office/drawing/2010/main">
-                <a:effectLst>
-                  <a:outerShdw dist="35921" dir="2700000" algn="ctr" rotWithShape="0">
-                    <a:schemeClr val="bg2"/>
-                  </a:outerShdw>
-                </a:effectLst>
-              </a14:hiddenEffects>
-            </a:ext>
-          </a:extLst>
-        </p:spPr>
-      </p:pic>
-      <p:pic>
-        <p:nvPicPr>
-          <p:cNvPr id="1028" name="Picture 4"/>
-          <p:cNvPicPr>
-            <a:picLocks noChangeAspect="1" noChangeArrowheads="1"/>
-          </p:cNvPicPr>
-          <p:nvPr/>
-        </p:nvPicPr>
-        <p:blipFill rotWithShape="1">
-          <a:blip r:embed="rId6">
-            <a:extLst>
-              <a:ext uri="{28A0092B-C50C-407E-A947-70E740481C1C}">
-                <a14:useLocalDpi xmlns:a14="http://schemas.microsoft.com/office/drawing/2010/main" val="0"/>
-              </a:ext>
-            </a:extLst>
-          </a:blip>
-          <a:srcRect l="442" t="10519" r="54440" b="9688"/>
-          <a:stretch/>
-        </p:blipFill>
-        <p:spPr bwMode="auto">
-          <a:xfrm>
-            <a:off x="7442039" y="150619"/>
-            <a:ext cx="6875812" cy="6840187"/>
-          </a:xfrm>
-          <a:prstGeom prst="rect">
-            <a:avLst/>
-          </a:prstGeom>
-          <a:noFill/>
-          <a:ln>
-            <a:noFill/>
-          </a:ln>
-          <a:effectLst/>
-          <a:extLst>
-            <a:ext uri="{909E8E84-426E-40dd-AFC4-6F175D3DCCD1}">
-              <a14:hiddenFill xmlns:a14="http://schemas.microsoft.com/office/drawing/2010/main">
-                <a:solidFill>
-                  <a:schemeClr val="accent1"/>
-                </a:solidFill>
-              </a14:hiddenFill>
-            </a:ext>
-            <a:ext uri="{91240B29-F687-4f45-9708-019B960494DF}">
-              <a14:hiddenLine xmlns:a14="http://schemas.microsoft.com/office/drawing/2010/main" w="9525">
-                <a:solidFill>
-                  <a:schemeClr val="tx1"/>
-                </a:solidFill>
-                <a:miter lim="800000"/>
-                <a:headEnd/>
-                <a:tailEnd/>
-              </a14:hiddenLine>
-            </a:ext>
-            <a:ext uri="{AF507438-7753-43e0-B8FC-AC1667EBCBE1}">
-              <a14:hiddenEffects xmlns:a14="http://schemas.microsoft.com/office/drawing/2010/main">
-                <a:effectLst>
-                  <a:outerShdw dist="35921" dir="2700000" algn="ctr" rotWithShape="0">
-                    <a:schemeClr val="bg2"/>
-                  </a:outerShdw>
-                </a:effectLst>
-              </a14:hiddenEffects>
-            </a:ext>
-          </a:extLst>
-        </p:spPr>
-      </p:pic>
+          </p:spPr>
+        </p:pic>
+      </p:grpSp>
     </p:spTree>
     <p:extLst>
       <p:ext uri="{BB962C8B-B14F-4D97-AF65-F5344CB8AC3E}">
